--- a/report/report.pptx
+++ b/report/report.pptx
@@ -6114,7 +6114,23 @@
                   <a:schemeClr val="tx1"/>
                 </a:solidFill>
               </a:rPr>
-              <a:t>Домашнее задание по теме «Вычисление вычисление общих рациональных корней двух многочленов от двух переменных»</a:t>
+              <a:t>Домашнее задание по </a:t>
+            </a:r>
+            <a:r>
+              <a:rPr lang="ru-RU">
+                <a:solidFill>
+                  <a:schemeClr val="tx1"/>
+                </a:solidFill>
+              </a:rPr>
+              <a:t>теме «вычисление </a:t>
+            </a:r>
+            <a:r>
+              <a:rPr lang="ru-RU" dirty="0">
+                <a:solidFill>
+                  <a:schemeClr val="tx1"/>
+                </a:solidFill>
+              </a:rPr>
+              <a:t>общих рациональных корней двух многочленов от двух переменных»</a:t>
             </a:r>
           </a:p>
         </p:txBody>
